--- a/EasyReadingIntro.pptx
+++ b/EasyReadingIntro.pptx
@@ -5,7 +5,7 @@
     <p:sldMasterId id="2147483660" r:id="rId1"/>
   </p:sldMasterIdLst>
   <p:notesMasterIdLst>
-    <p:notesMasterId r:id="rId10"/>
+    <p:notesMasterId r:id="rId14"/>
   </p:notesMasterIdLst>
   <p:sldIdLst>
     <p:sldId id="256" r:id="rId2"/>
@@ -14,8 +14,12 @@
     <p:sldId id="258" r:id="rId5"/>
     <p:sldId id="295" r:id="rId6"/>
     <p:sldId id="299" r:id="rId7"/>
-    <p:sldId id="300" r:id="rId8"/>
-    <p:sldId id="301" r:id="rId9"/>
+    <p:sldId id="303" r:id="rId8"/>
+    <p:sldId id="302" r:id="rId9"/>
+    <p:sldId id="305" r:id="rId10"/>
+    <p:sldId id="304" r:id="rId11"/>
+    <p:sldId id="300" r:id="rId12"/>
+    <p:sldId id="301" r:id="rId13"/>
   </p:sldIdLst>
   <p:sldSz cx="9144000" cy="6858000" type="screen4x3"/>
   <p:notesSz cx="6858000" cy="9144000"/>
@@ -215,7 +219,7 @@
           <a:p>
             <a:fld id="{7D3F4A6A-977C-4188-A074-4E33B0A738BA}" type="datetimeFigureOut">
               <a:rPr lang="en-US" smtClean="0"/>
-              <a:t>5/16/19</a:t>
+              <a:t>5/17/19</a:t>
             </a:fld>
             <a:endParaRPr lang="en-US"/>
           </a:p>
@@ -734,6 +738,342 @@
 </p:notes>
 </file>
 
+<file path=ppt/notesSlides/notesSlide4.xml><?xml version="1.0" encoding="utf-8"?>
+<p:notes xmlns:a="http://schemas.openxmlformats.org/drawingml/2006/main" xmlns:r="http://schemas.openxmlformats.org/officeDocument/2006/relationships" xmlns:p="http://schemas.openxmlformats.org/presentationml/2006/main">
+  <p:cSld>
+    <p:spTree>
+      <p:nvGrpSpPr>
+        <p:cNvPr id="1" name=""/>
+        <p:cNvGrpSpPr/>
+        <p:nvPr/>
+      </p:nvGrpSpPr>
+      <p:grpSpPr>
+        <a:xfrm>
+          <a:off x="0" y="0"/>
+          <a:ext cx="0" cy="0"/>
+          <a:chOff x="0" y="0"/>
+          <a:chExt cx="0" cy="0"/>
+        </a:xfrm>
+      </p:grpSpPr>
+      <p:sp>
+        <p:nvSpPr>
+          <p:cNvPr id="2" name="幻灯片图像占位符 1"/>
+          <p:cNvSpPr>
+            <a:spLocks noGrp="1" noRot="1" noChangeAspect="1"/>
+          </p:cNvSpPr>
+          <p:nvPr>
+            <p:ph type="sldImg"/>
+          </p:nvPr>
+        </p:nvSpPr>
+        <p:spPr/>
+      </p:sp>
+      <p:sp>
+        <p:nvSpPr>
+          <p:cNvPr id="3" name="备注占位符 2"/>
+          <p:cNvSpPr>
+            <a:spLocks noGrp="1"/>
+          </p:cNvSpPr>
+          <p:nvPr>
+            <p:ph type="body" idx="1"/>
+          </p:nvPr>
+        </p:nvSpPr>
+        <p:spPr/>
+        <p:txBody>
+          <a:bodyPr/>
+          <a:lstStyle/>
+          <a:p>
+            <a:endParaRPr kumimoji="1" lang="zh-CN" altLang="en-US" dirty="0"/>
+          </a:p>
+        </p:txBody>
+      </p:sp>
+      <p:sp>
+        <p:nvSpPr>
+          <p:cNvPr id="4" name="灯片编号占位符 3"/>
+          <p:cNvSpPr>
+            <a:spLocks noGrp="1"/>
+          </p:cNvSpPr>
+          <p:nvPr>
+            <p:ph type="sldNum" sz="quarter" idx="5"/>
+          </p:nvPr>
+        </p:nvSpPr>
+        <p:spPr/>
+        <p:txBody>
+          <a:bodyPr/>
+          <a:lstStyle/>
+          <a:p>
+            <a:fld id="{B3F06B12-F0B8-4184-9E7A-771BA364EF68}" type="slidenum">
+              <a:rPr lang="en-US" smtClean="0"/>
+              <a:t>7</a:t>
+            </a:fld>
+            <a:endParaRPr lang="en-US"/>
+          </a:p>
+        </p:txBody>
+      </p:sp>
+    </p:spTree>
+    <p:extLst>
+      <p:ext uri="{BB962C8B-B14F-4D97-AF65-F5344CB8AC3E}">
+        <p14:creationId xmlns:p14="http://schemas.microsoft.com/office/powerpoint/2010/main" val="1216699376"/>
+      </p:ext>
+    </p:extLst>
+  </p:cSld>
+  <p:clrMapOvr>
+    <a:masterClrMapping/>
+  </p:clrMapOvr>
+</p:notes>
+</file>
+
+<file path=ppt/notesSlides/notesSlide5.xml><?xml version="1.0" encoding="utf-8"?>
+<p:notes xmlns:a="http://schemas.openxmlformats.org/drawingml/2006/main" xmlns:r="http://schemas.openxmlformats.org/officeDocument/2006/relationships" xmlns:p="http://schemas.openxmlformats.org/presentationml/2006/main">
+  <p:cSld>
+    <p:spTree>
+      <p:nvGrpSpPr>
+        <p:cNvPr id="1" name=""/>
+        <p:cNvGrpSpPr/>
+        <p:nvPr/>
+      </p:nvGrpSpPr>
+      <p:grpSpPr>
+        <a:xfrm>
+          <a:off x="0" y="0"/>
+          <a:ext cx="0" cy="0"/>
+          <a:chOff x="0" y="0"/>
+          <a:chExt cx="0" cy="0"/>
+        </a:xfrm>
+      </p:grpSpPr>
+      <p:sp>
+        <p:nvSpPr>
+          <p:cNvPr id="2" name="幻灯片图像占位符 1"/>
+          <p:cNvSpPr>
+            <a:spLocks noGrp="1" noRot="1" noChangeAspect="1"/>
+          </p:cNvSpPr>
+          <p:nvPr>
+            <p:ph type="sldImg"/>
+          </p:nvPr>
+        </p:nvSpPr>
+        <p:spPr/>
+      </p:sp>
+      <p:sp>
+        <p:nvSpPr>
+          <p:cNvPr id="3" name="备注占位符 2"/>
+          <p:cNvSpPr>
+            <a:spLocks noGrp="1"/>
+          </p:cNvSpPr>
+          <p:nvPr>
+            <p:ph type="body" idx="1"/>
+          </p:nvPr>
+        </p:nvSpPr>
+        <p:spPr/>
+        <p:txBody>
+          <a:bodyPr/>
+          <a:lstStyle/>
+          <a:p>
+            <a:endParaRPr kumimoji="1" lang="zh-CN" altLang="en-US" dirty="0"/>
+          </a:p>
+        </p:txBody>
+      </p:sp>
+      <p:sp>
+        <p:nvSpPr>
+          <p:cNvPr id="4" name="灯片编号占位符 3"/>
+          <p:cNvSpPr>
+            <a:spLocks noGrp="1"/>
+          </p:cNvSpPr>
+          <p:nvPr>
+            <p:ph type="sldNum" sz="quarter" idx="5"/>
+          </p:nvPr>
+        </p:nvSpPr>
+        <p:spPr/>
+        <p:txBody>
+          <a:bodyPr/>
+          <a:lstStyle/>
+          <a:p>
+            <a:fld id="{B3F06B12-F0B8-4184-9E7A-771BA364EF68}" type="slidenum">
+              <a:rPr lang="en-US" smtClean="0"/>
+              <a:t>8</a:t>
+            </a:fld>
+            <a:endParaRPr lang="en-US"/>
+          </a:p>
+        </p:txBody>
+      </p:sp>
+    </p:spTree>
+    <p:extLst>
+      <p:ext uri="{BB962C8B-B14F-4D97-AF65-F5344CB8AC3E}">
+        <p14:creationId xmlns:p14="http://schemas.microsoft.com/office/powerpoint/2010/main" val="3294928357"/>
+      </p:ext>
+    </p:extLst>
+  </p:cSld>
+  <p:clrMapOvr>
+    <a:masterClrMapping/>
+  </p:clrMapOvr>
+</p:notes>
+</file>
+
+<file path=ppt/notesSlides/notesSlide6.xml><?xml version="1.0" encoding="utf-8"?>
+<p:notes xmlns:a="http://schemas.openxmlformats.org/drawingml/2006/main" xmlns:r="http://schemas.openxmlformats.org/officeDocument/2006/relationships" xmlns:p="http://schemas.openxmlformats.org/presentationml/2006/main">
+  <p:cSld>
+    <p:spTree>
+      <p:nvGrpSpPr>
+        <p:cNvPr id="1" name=""/>
+        <p:cNvGrpSpPr/>
+        <p:nvPr/>
+      </p:nvGrpSpPr>
+      <p:grpSpPr>
+        <a:xfrm>
+          <a:off x="0" y="0"/>
+          <a:ext cx="0" cy="0"/>
+          <a:chOff x="0" y="0"/>
+          <a:chExt cx="0" cy="0"/>
+        </a:xfrm>
+      </p:grpSpPr>
+      <p:sp>
+        <p:nvSpPr>
+          <p:cNvPr id="2" name="幻灯片图像占位符 1"/>
+          <p:cNvSpPr>
+            <a:spLocks noGrp="1" noRot="1" noChangeAspect="1"/>
+          </p:cNvSpPr>
+          <p:nvPr>
+            <p:ph type="sldImg"/>
+          </p:nvPr>
+        </p:nvSpPr>
+        <p:spPr/>
+      </p:sp>
+      <p:sp>
+        <p:nvSpPr>
+          <p:cNvPr id="3" name="备注占位符 2"/>
+          <p:cNvSpPr>
+            <a:spLocks noGrp="1"/>
+          </p:cNvSpPr>
+          <p:nvPr>
+            <p:ph type="body" idx="1"/>
+          </p:nvPr>
+        </p:nvSpPr>
+        <p:spPr/>
+        <p:txBody>
+          <a:bodyPr/>
+          <a:lstStyle/>
+          <a:p>
+            <a:endParaRPr kumimoji="1" lang="zh-CN" altLang="en-US" dirty="0"/>
+          </a:p>
+        </p:txBody>
+      </p:sp>
+      <p:sp>
+        <p:nvSpPr>
+          <p:cNvPr id="4" name="灯片编号占位符 3"/>
+          <p:cNvSpPr>
+            <a:spLocks noGrp="1"/>
+          </p:cNvSpPr>
+          <p:nvPr>
+            <p:ph type="sldNum" sz="quarter" idx="5"/>
+          </p:nvPr>
+        </p:nvSpPr>
+        <p:spPr/>
+        <p:txBody>
+          <a:bodyPr/>
+          <a:lstStyle/>
+          <a:p>
+            <a:fld id="{B3F06B12-F0B8-4184-9E7A-771BA364EF68}" type="slidenum">
+              <a:rPr lang="en-US" smtClean="0"/>
+              <a:t>9</a:t>
+            </a:fld>
+            <a:endParaRPr lang="en-US"/>
+          </a:p>
+        </p:txBody>
+      </p:sp>
+    </p:spTree>
+    <p:extLst>
+      <p:ext uri="{BB962C8B-B14F-4D97-AF65-F5344CB8AC3E}">
+        <p14:creationId xmlns:p14="http://schemas.microsoft.com/office/powerpoint/2010/main" val="2758224857"/>
+      </p:ext>
+    </p:extLst>
+  </p:cSld>
+  <p:clrMapOvr>
+    <a:masterClrMapping/>
+  </p:clrMapOvr>
+</p:notes>
+</file>
+
+<file path=ppt/notesSlides/notesSlide7.xml><?xml version="1.0" encoding="utf-8"?>
+<p:notes xmlns:a="http://schemas.openxmlformats.org/drawingml/2006/main" xmlns:r="http://schemas.openxmlformats.org/officeDocument/2006/relationships" xmlns:p="http://schemas.openxmlformats.org/presentationml/2006/main">
+  <p:cSld>
+    <p:spTree>
+      <p:nvGrpSpPr>
+        <p:cNvPr id="1" name=""/>
+        <p:cNvGrpSpPr/>
+        <p:nvPr/>
+      </p:nvGrpSpPr>
+      <p:grpSpPr>
+        <a:xfrm>
+          <a:off x="0" y="0"/>
+          <a:ext cx="0" cy="0"/>
+          <a:chOff x="0" y="0"/>
+          <a:chExt cx="0" cy="0"/>
+        </a:xfrm>
+      </p:grpSpPr>
+      <p:sp>
+        <p:nvSpPr>
+          <p:cNvPr id="2" name="幻灯片图像占位符 1"/>
+          <p:cNvSpPr>
+            <a:spLocks noGrp="1" noRot="1" noChangeAspect="1"/>
+          </p:cNvSpPr>
+          <p:nvPr>
+            <p:ph type="sldImg"/>
+          </p:nvPr>
+        </p:nvSpPr>
+        <p:spPr/>
+      </p:sp>
+      <p:sp>
+        <p:nvSpPr>
+          <p:cNvPr id="3" name="备注占位符 2"/>
+          <p:cNvSpPr>
+            <a:spLocks noGrp="1"/>
+          </p:cNvSpPr>
+          <p:nvPr>
+            <p:ph type="body" idx="1"/>
+          </p:nvPr>
+        </p:nvSpPr>
+        <p:spPr/>
+        <p:txBody>
+          <a:bodyPr/>
+          <a:lstStyle/>
+          <a:p>
+            <a:endParaRPr kumimoji="1" lang="zh-CN" altLang="en-US" dirty="0"/>
+          </a:p>
+        </p:txBody>
+      </p:sp>
+      <p:sp>
+        <p:nvSpPr>
+          <p:cNvPr id="4" name="灯片编号占位符 3"/>
+          <p:cNvSpPr>
+            <a:spLocks noGrp="1"/>
+          </p:cNvSpPr>
+          <p:nvPr>
+            <p:ph type="sldNum" sz="quarter" idx="5"/>
+          </p:nvPr>
+        </p:nvSpPr>
+        <p:spPr/>
+        <p:txBody>
+          <a:bodyPr/>
+          <a:lstStyle/>
+          <a:p>
+            <a:fld id="{B3F06B12-F0B8-4184-9E7A-771BA364EF68}" type="slidenum">
+              <a:rPr lang="en-US" smtClean="0"/>
+              <a:t>10</a:t>
+            </a:fld>
+            <a:endParaRPr lang="en-US"/>
+          </a:p>
+        </p:txBody>
+      </p:sp>
+    </p:spTree>
+    <p:extLst>
+      <p:ext uri="{BB962C8B-B14F-4D97-AF65-F5344CB8AC3E}">
+        <p14:creationId xmlns:p14="http://schemas.microsoft.com/office/powerpoint/2010/main" val="2041110628"/>
+      </p:ext>
+    </p:extLst>
+  </p:cSld>
+  <p:clrMapOvr>
+    <a:masterClrMapping/>
+  </p:clrMapOvr>
+</p:notes>
+</file>
+
 <file path=ppt/slideLayouts/slideLayout1.xml><?xml version="1.0" encoding="utf-8"?>
 <p:sldLayout xmlns:a="http://schemas.openxmlformats.org/drawingml/2006/main" xmlns:r="http://schemas.openxmlformats.org/officeDocument/2006/relationships" xmlns:p="http://schemas.openxmlformats.org/presentationml/2006/main" showMasterSp="0" type="title" preserve="1">
   <p:cSld name="Title Slide">
@@ -1946,7 +2286,7 @@
             <a:fld id="{530820CF-B880-4189-942D-D702A7CBA730}" type="datetimeFigureOut">
               <a:rPr lang="zh-CN" altLang="en-US" smtClean="0"/>
               <a:pPr/>
-              <a:t>2019/5/16</a:t>
+              <a:t>2019/5/17</a:t>
             </a:fld>
             <a:endParaRPr lang="zh-CN" altLang="en-US"/>
           </a:p>
@@ -2224,7 +2564,7 @@
             <a:fld id="{530820CF-B880-4189-942D-D702A7CBA730}" type="datetimeFigureOut">
               <a:rPr lang="zh-CN" altLang="en-US" smtClean="0"/>
               <a:pPr/>
-              <a:t>2019/5/16</a:t>
+              <a:t>2019/5/17</a:t>
             </a:fld>
             <a:endParaRPr lang="zh-CN" altLang="en-US"/>
           </a:p>
@@ -2406,7 +2746,7 @@
             <a:fld id="{530820CF-B880-4189-942D-D702A7CBA730}" type="datetimeFigureOut">
               <a:rPr lang="zh-CN" altLang="en-US" smtClean="0"/>
               <a:pPr/>
-              <a:t>2019/5/16</a:t>
+              <a:t>2019/5/17</a:t>
             </a:fld>
             <a:endParaRPr lang="zh-CN" altLang="en-US"/>
           </a:p>
@@ -2578,7 +2918,7 @@
             <a:fld id="{530820CF-B880-4189-942D-D702A7CBA730}" type="datetimeFigureOut">
               <a:rPr lang="zh-CN" altLang="en-US" smtClean="0"/>
               <a:pPr/>
-              <a:t>2019/5/16</a:t>
+              <a:t>2019/5/17</a:t>
             </a:fld>
             <a:endParaRPr lang="zh-CN" altLang="en-US"/>
           </a:p>
@@ -3176,7 +3516,7 @@
             <a:fld id="{530820CF-B880-4189-942D-D702A7CBA730}" type="datetimeFigureOut">
               <a:rPr lang="zh-CN" altLang="en-US" smtClean="0"/>
               <a:pPr/>
-              <a:t>2019/5/16</a:t>
+              <a:t>2019/5/17</a:t>
             </a:fld>
             <a:endParaRPr lang="zh-CN" altLang="en-US"/>
           </a:p>
@@ -4984,7 +5324,7 @@
             <a:fld id="{530820CF-B880-4189-942D-D702A7CBA730}" type="datetimeFigureOut">
               <a:rPr lang="zh-CN" altLang="en-US" smtClean="0"/>
               <a:pPr/>
-              <a:t>2019/5/16</a:t>
+              <a:t>2019/5/17</a:t>
             </a:fld>
             <a:endParaRPr lang="zh-CN" altLang="en-US"/>
           </a:p>
@@ -5376,7 +5716,7 @@
             <a:fld id="{530820CF-B880-4189-942D-D702A7CBA730}" type="datetimeFigureOut">
               <a:rPr lang="zh-CN" altLang="en-US" smtClean="0"/>
               <a:pPr/>
-              <a:t>2019/5/16</a:t>
+              <a:t>2019/5/17</a:t>
             </a:fld>
             <a:endParaRPr lang="zh-CN" altLang="en-US"/>
           </a:p>
@@ -5501,7 +5841,7 @@
             <a:fld id="{530820CF-B880-4189-942D-D702A7CBA730}" type="datetimeFigureOut">
               <a:rPr lang="zh-CN" altLang="en-US" smtClean="0"/>
               <a:pPr/>
-              <a:t>2019/5/16</a:t>
+              <a:t>2019/5/17</a:t>
             </a:fld>
             <a:endParaRPr lang="zh-CN" altLang="en-US"/>
           </a:p>
@@ -5598,7 +5938,7 @@
             <a:fld id="{530820CF-B880-4189-942D-D702A7CBA730}" type="datetimeFigureOut">
               <a:rPr lang="zh-CN" altLang="en-US" smtClean="0"/>
               <a:pPr/>
-              <a:t>2019/5/16</a:t>
+              <a:t>2019/5/17</a:t>
             </a:fld>
             <a:endParaRPr lang="zh-CN" altLang="en-US"/>
           </a:p>
@@ -6365,7 +6705,7 @@
             <a:fld id="{530820CF-B880-4189-942D-D702A7CBA730}" type="datetimeFigureOut">
               <a:rPr lang="zh-CN" altLang="en-US" smtClean="0"/>
               <a:pPr/>
-              <a:t>2019/5/16</a:t>
+              <a:t>2019/5/17</a:t>
             </a:fld>
             <a:endParaRPr lang="zh-CN" altLang="en-US"/>
           </a:p>
@@ -7247,7 +7587,7 @@
             <a:fld id="{530820CF-B880-4189-942D-D702A7CBA730}" type="datetimeFigureOut">
               <a:rPr lang="zh-CN" altLang="en-US" smtClean="0"/>
               <a:pPr/>
-              <a:t>2019/5/16</a:t>
+              <a:t>2019/5/17</a:t>
             </a:fld>
             <a:endParaRPr lang="zh-CN" altLang="en-US"/>
           </a:p>
@@ -7514,7 +7854,7 @@
             <a:fld id="{530820CF-B880-4189-942D-D702A7CBA730}" type="datetimeFigureOut">
               <a:rPr lang="zh-CN" altLang="en-US" smtClean="0"/>
               <a:pPr/>
-              <a:t>2019/5/16</a:t>
+              <a:t>2019/5/17</a:t>
             </a:fld>
             <a:endParaRPr lang="zh-CN" altLang="en-US"/>
           </a:p>
@@ -8401,6 +8741,275 @@
 </p:sld>
 </file>
 
+<file path=ppt/slides/slide10.xml><?xml version="1.0" encoding="utf-8"?>
+<p:sld xmlns:a="http://schemas.openxmlformats.org/drawingml/2006/main" xmlns:r="http://schemas.openxmlformats.org/officeDocument/2006/relationships" xmlns:p="http://schemas.openxmlformats.org/presentationml/2006/main">
+  <p:cSld>
+    <p:spTree>
+      <p:nvGrpSpPr>
+        <p:cNvPr id="1" name=""/>
+        <p:cNvGrpSpPr/>
+        <p:nvPr/>
+      </p:nvGrpSpPr>
+      <p:grpSpPr>
+        <a:xfrm>
+          <a:off x="0" y="0"/>
+          <a:ext cx="0" cy="0"/>
+          <a:chOff x="0" y="0"/>
+          <a:chExt cx="0" cy="0"/>
+        </a:xfrm>
+      </p:grpSpPr>
+      <p:sp>
+        <p:nvSpPr>
+          <p:cNvPr id="3" name="Content Placeholder 2">
+            <a:extLst>
+              <a:ext uri="{FF2B5EF4-FFF2-40B4-BE49-F238E27FC236}">
+                <a16:creationId xmlns:a16="http://schemas.microsoft.com/office/drawing/2014/main" id="{C4DF8993-CC97-4C4E-84FF-CCA2752F09F7}"/>
+              </a:ext>
+            </a:extLst>
+          </p:cNvPr>
+          <p:cNvSpPr>
+            <a:spLocks noGrp="1"/>
+          </p:cNvSpPr>
+          <p:nvPr>
+            <p:ph idx="1"/>
+          </p:nvPr>
+        </p:nvSpPr>
+        <p:spPr>
+          <a:xfrm>
+            <a:off x="457200" y="332656"/>
+            <a:ext cx="8229600" cy="4525963"/>
+          </a:xfrm>
+        </p:spPr>
+        <p:txBody>
+          <a:bodyPr>
+            <a:normAutofit/>
+          </a:bodyPr>
+          <a:lstStyle/>
+          <a:p>
+            <a:r>
+              <a:rPr lang="en-US" altLang="zh-CN" sz="2800" dirty="0"/>
+              <a:t>You can pay a comment, pay a user for his/her read out, or even subscribe someone’s post.</a:t>
+            </a:r>
+            <a:endParaRPr lang="en-US" sz="2800" dirty="0"/>
+          </a:p>
+        </p:txBody>
+      </p:sp>
+      <p:pic>
+        <p:nvPicPr>
+          <p:cNvPr id="6" name="图片 7">
+            <a:extLst>
+              <a:ext uri="{FF2B5EF4-FFF2-40B4-BE49-F238E27FC236}">
+                <a16:creationId xmlns:a16="http://schemas.microsoft.com/office/drawing/2014/main" id="{D7EBF4B3-2971-4EB6-92F6-00D0E5077EE4}"/>
+              </a:ext>
+            </a:extLst>
+          </p:cNvPr>
+          <p:cNvPicPr>
+            <a:picLocks noChangeAspect="1"/>
+          </p:cNvPicPr>
+          <p:nvPr/>
+        </p:nvPicPr>
+        <p:blipFill>
+          <a:blip r:embed="rId3">
+            <a:extLst>
+              <a:ext uri="{28A0092B-C50C-407E-A947-70E740481C1C}">
+                <a14:useLocalDpi xmlns:a14="http://schemas.microsoft.com/office/drawing/2010/main" val="0"/>
+              </a:ext>
+            </a:extLst>
+          </a:blip>
+          <a:stretch>
+            <a:fillRect/>
+          </a:stretch>
+        </p:blipFill>
+        <p:spPr>
+          <a:xfrm>
+            <a:off x="1259632" y="1412776"/>
+            <a:ext cx="5765607" cy="5246043"/>
+          </a:xfrm>
+          <a:prstGeom prst="rect">
+            <a:avLst/>
+          </a:prstGeom>
+        </p:spPr>
+      </p:pic>
+      <p:pic>
+        <p:nvPicPr>
+          <p:cNvPr id="2" name="Picture 1">
+            <a:extLst>
+              <a:ext uri="{FF2B5EF4-FFF2-40B4-BE49-F238E27FC236}">
+                <a16:creationId xmlns:a16="http://schemas.microsoft.com/office/drawing/2014/main" id="{6A0B8124-6E06-4F47-8F8B-786CECB997C2}"/>
+              </a:ext>
+            </a:extLst>
+          </p:cNvPr>
+          <p:cNvPicPr>
+            <a:picLocks noChangeAspect="1"/>
+          </p:cNvPicPr>
+          <p:nvPr/>
+        </p:nvPicPr>
+        <p:blipFill>
+          <a:blip r:embed="rId4"/>
+          <a:stretch>
+            <a:fillRect/>
+          </a:stretch>
+        </p:blipFill>
+        <p:spPr>
+          <a:xfrm>
+            <a:off x="1375802" y="2410347"/>
+            <a:ext cx="2404110" cy="2448272"/>
+          </a:xfrm>
+          <a:prstGeom prst="rect">
+            <a:avLst/>
+          </a:prstGeom>
+        </p:spPr>
+      </p:pic>
+    </p:spTree>
+    <p:extLst>
+      <p:ext uri="{BB962C8B-B14F-4D97-AF65-F5344CB8AC3E}">
+        <p14:creationId xmlns:p14="http://schemas.microsoft.com/office/powerpoint/2010/main" val="3187651678"/>
+      </p:ext>
+    </p:extLst>
+  </p:cSld>
+  <p:clrMapOvr>
+    <a:masterClrMapping/>
+  </p:clrMapOvr>
+</p:sld>
+</file>
+
+<file path=ppt/slides/slide11.xml><?xml version="1.0" encoding="utf-8"?>
+<p:sld xmlns:a="http://schemas.openxmlformats.org/drawingml/2006/main" xmlns:r="http://schemas.openxmlformats.org/officeDocument/2006/relationships" xmlns:p="http://schemas.openxmlformats.org/presentationml/2006/main">
+  <p:cSld>
+    <p:spTree>
+      <p:nvGrpSpPr>
+        <p:cNvPr id="1" name=""/>
+        <p:cNvGrpSpPr/>
+        <p:nvPr/>
+      </p:nvGrpSpPr>
+      <p:grpSpPr>
+        <a:xfrm>
+          <a:off x="0" y="0"/>
+          <a:ext cx="0" cy="0"/>
+          <a:chOff x="0" y="0"/>
+          <a:chExt cx="0" cy="0"/>
+        </a:xfrm>
+      </p:grpSpPr>
+      <p:sp>
+        <p:nvSpPr>
+          <p:cNvPr id="3" name="Content Placeholder 2">
+            <a:extLst>
+              <a:ext uri="{FF2B5EF4-FFF2-40B4-BE49-F238E27FC236}">
+                <a16:creationId xmlns:a16="http://schemas.microsoft.com/office/drawing/2014/main" id="{C4DF8993-CC97-4C4E-84FF-CCA2752F09F7}"/>
+              </a:ext>
+            </a:extLst>
+          </p:cNvPr>
+          <p:cNvSpPr>
+            <a:spLocks noGrp="1"/>
+          </p:cNvSpPr>
+          <p:nvPr>
+            <p:ph idx="1"/>
+          </p:nvPr>
+        </p:nvSpPr>
+        <p:spPr>
+          <a:xfrm>
+            <a:off x="539552" y="2780928"/>
+            <a:ext cx="8229600" cy="4525963"/>
+          </a:xfrm>
+        </p:spPr>
+        <p:txBody>
+          <a:bodyPr>
+            <a:normAutofit/>
+          </a:bodyPr>
+          <a:lstStyle/>
+          <a:p>
+            <a:pPr marL="0" indent="0" algn="ctr">
+              <a:buNone/>
+            </a:pPr>
+            <a:r>
+              <a:rPr lang="en-US" altLang="zh-CN" sz="6000" dirty="0"/>
+              <a:t>Q&amp;A</a:t>
+            </a:r>
+            <a:endParaRPr lang="en-US" sz="6000" dirty="0"/>
+          </a:p>
+        </p:txBody>
+      </p:sp>
+    </p:spTree>
+    <p:extLst>
+      <p:ext uri="{BB962C8B-B14F-4D97-AF65-F5344CB8AC3E}">
+        <p14:creationId xmlns:p14="http://schemas.microsoft.com/office/powerpoint/2010/main" val="3090738494"/>
+      </p:ext>
+    </p:extLst>
+  </p:cSld>
+  <p:clrMapOvr>
+    <a:masterClrMapping/>
+  </p:clrMapOvr>
+</p:sld>
+</file>
+
+<file path=ppt/slides/slide12.xml><?xml version="1.0" encoding="utf-8"?>
+<p:sld xmlns:a="http://schemas.openxmlformats.org/drawingml/2006/main" xmlns:r="http://schemas.openxmlformats.org/officeDocument/2006/relationships" xmlns:p="http://schemas.openxmlformats.org/presentationml/2006/main">
+  <p:cSld>
+    <p:spTree>
+      <p:nvGrpSpPr>
+        <p:cNvPr id="1" name=""/>
+        <p:cNvGrpSpPr/>
+        <p:nvPr/>
+      </p:nvGrpSpPr>
+      <p:grpSpPr>
+        <a:xfrm>
+          <a:off x="0" y="0"/>
+          <a:ext cx="0" cy="0"/>
+          <a:chOff x="0" y="0"/>
+          <a:chExt cx="0" cy="0"/>
+        </a:xfrm>
+      </p:grpSpPr>
+      <p:sp>
+        <p:nvSpPr>
+          <p:cNvPr id="3" name="Content Placeholder 2">
+            <a:extLst>
+              <a:ext uri="{FF2B5EF4-FFF2-40B4-BE49-F238E27FC236}">
+                <a16:creationId xmlns:a16="http://schemas.microsoft.com/office/drawing/2014/main" id="{C4DF8993-CC97-4C4E-84FF-CCA2752F09F7}"/>
+              </a:ext>
+            </a:extLst>
+          </p:cNvPr>
+          <p:cNvSpPr>
+            <a:spLocks noGrp="1"/>
+          </p:cNvSpPr>
+          <p:nvPr>
+            <p:ph idx="1"/>
+          </p:nvPr>
+        </p:nvSpPr>
+        <p:spPr>
+          <a:xfrm>
+            <a:off x="539552" y="2780928"/>
+            <a:ext cx="8229600" cy="4525963"/>
+          </a:xfrm>
+        </p:spPr>
+        <p:txBody>
+          <a:bodyPr>
+            <a:normAutofit/>
+          </a:bodyPr>
+          <a:lstStyle/>
+          <a:p>
+            <a:pPr marL="0" indent="0" algn="ctr">
+              <a:buNone/>
+            </a:pPr>
+            <a:r>
+              <a:rPr lang="en-US" sz="4000" dirty="0"/>
+              <a:t>THANK YOU FOR YOUR READING!</a:t>
+            </a:r>
+          </a:p>
+        </p:txBody>
+      </p:sp>
+    </p:spTree>
+    <p:extLst>
+      <p:ext uri="{BB962C8B-B14F-4D97-AF65-F5344CB8AC3E}">
+        <p14:creationId xmlns:p14="http://schemas.microsoft.com/office/powerpoint/2010/main" val="295299655"/>
+      </p:ext>
+    </p:extLst>
+  </p:cSld>
+  <p:clrMapOvr>
+    <a:masterClrMapping/>
+  </p:clrMapOvr>
+</p:sld>
+</file>
+
 <file path=ppt/slides/slide2.xml><?xml version="1.0" encoding="utf-8"?>
 <p:sld xmlns:a="http://schemas.openxmlformats.org/drawingml/2006/main" xmlns:r="http://schemas.openxmlformats.org/officeDocument/2006/relationships" xmlns:p="http://schemas.openxmlformats.org/presentationml/2006/main">
   <p:cSld>
@@ -8567,7 +9176,7 @@
                   <a:schemeClr val="bg1"/>
                 </a:solidFill>
               </a:rPr>
-              <a:t>    Channel:</a:t>
+              <a:t>    Where we can learn from?:</a:t>
             </a:r>
           </a:p>
           <a:p>
@@ -8793,6 +9402,42 @@
           </a:p>
         </p:txBody>
       </p:sp>
+      <p:pic>
+        <p:nvPicPr>
+          <p:cNvPr id="6" name="图片 5">
+            <a:extLst>
+              <a:ext uri="{FF2B5EF4-FFF2-40B4-BE49-F238E27FC236}">
+                <a16:creationId xmlns:a16="http://schemas.microsoft.com/office/drawing/2014/main" id="{F643BA0A-5744-9543-A324-4FE012327CC9}"/>
+              </a:ext>
+            </a:extLst>
+          </p:cNvPr>
+          <p:cNvPicPr>
+            <a:picLocks noChangeAspect="1"/>
+          </p:cNvPicPr>
+          <p:nvPr/>
+        </p:nvPicPr>
+        <p:blipFill>
+          <a:blip r:embed="rId3">
+            <a:extLst>
+              <a:ext uri="{28A0092B-C50C-407E-A947-70E740481C1C}">
+                <a14:useLocalDpi xmlns:a14="http://schemas.microsoft.com/office/drawing/2010/main" val="0"/>
+              </a:ext>
+            </a:extLst>
+          </a:blip>
+          <a:stretch>
+            <a:fillRect/>
+          </a:stretch>
+        </p:blipFill>
+        <p:spPr>
+          <a:xfrm>
+            <a:off x="5580112" y="13138"/>
+            <a:ext cx="3581472" cy="6844862"/>
+          </a:xfrm>
+          <a:prstGeom prst="rect">
+            <a:avLst/>
+          </a:prstGeom>
+        </p:spPr>
+      </p:pic>
     </p:spTree>
   </p:cSld>
   <p:clrMapOvr>
@@ -8938,7 +9583,7 @@
         <p:spPr>
           <a:xfrm>
             <a:off x="906270" y="2184894"/>
-            <a:ext cx="7298971" cy="2900290"/>
+            <a:ext cx="7410146" cy="2900290"/>
           </a:xfrm>
           <a:prstGeom prst="flowChartProcess">
             <a:avLst/>
@@ -9047,11 +9692,12 @@
                   <a:schemeClr val="tx1"/>
                 </a:solidFill>
               </a:rPr>
-              <a:t>Interactive reading system – no boring reading anymore</a:t>
+              <a:t>Image recognition </a:t>
             </a:r>
           </a:p>
           <a:p>
             <a:pPr marL="514350" indent="-514350">
+              <a:buFont typeface="Arial" panose="020B0604020202020204" pitchFamily="34" charset="0"/>
               <a:buAutoNum type="arabicParenR"/>
             </a:pPr>
             <a:r>
@@ -9060,7 +9706,7 @@
                   <a:schemeClr val="tx1"/>
                 </a:solidFill>
               </a:rPr>
-              <a:t>Image recognition </a:t>
+              <a:t>Interactive reading system – no boring reading anymore</a:t>
             </a:r>
           </a:p>
           <a:p>
@@ -9603,10 +10249,10 @@
       </p:sp>
       <p:pic>
         <p:nvPicPr>
-          <p:cNvPr id="8" name="图片 7">
+          <p:cNvPr id="4" name="图片 4">
             <a:extLst>
               <a:ext uri="{FF2B5EF4-FFF2-40B4-BE49-F238E27FC236}">
-                <a16:creationId xmlns:a16="http://schemas.microsoft.com/office/drawing/2014/main" id="{6B66AA01-43D3-5040-82DC-7E678FA0DD70}"/>
+                <a16:creationId xmlns:a16="http://schemas.microsoft.com/office/drawing/2014/main" id="{4A65E6E8-77D6-4691-9A94-E0C9C9B469B0}"/>
               </a:ext>
             </a:extLst>
           </p:cNvPr>
@@ -9629,8 +10275,44 @@
         </p:blipFill>
         <p:spPr>
           <a:xfrm>
-            <a:off x="827584" y="2060848"/>
-            <a:ext cx="4611907" cy="4196308"/>
+            <a:off x="4755804" y="771100"/>
+            <a:ext cx="3459880" cy="6114284"/>
+          </a:xfrm>
+          <a:prstGeom prst="rect">
+            <a:avLst/>
+          </a:prstGeom>
+        </p:spPr>
+      </p:pic>
+      <p:pic>
+        <p:nvPicPr>
+          <p:cNvPr id="5" name="图片 3">
+            <a:extLst>
+              <a:ext uri="{FF2B5EF4-FFF2-40B4-BE49-F238E27FC236}">
+                <a16:creationId xmlns:a16="http://schemas.microsoft.com/office/drawing/2014/main" id="{E9234351-21CE-4851-B7F2-CB123ACF8903}"/>
+              </a:ext>
+            </a:extLst>
+          </p:cNvPr>
+          <p:cNvPicPr>
+            <a:picLocks noChangeAspect="1"/>
+          </p:cNvPicPr>
+          <p:nvPr/>
+        </p:nvPicPr>
+        <p:blipFill>
+          <a:blip r:embed="rId4">
+            <a:extLst>
+              <a:ext uri="{28A0092B-C50C-407E-A947-70E740481C1C}">
+                <a14:useLocalDpi xmlns:a14="http://schemas.microsoft.com/office/drawing/2010/main" val="0"/>
+              </a:ext>
+            </a:extLst>
+          </a:blip>
+          <a:stretch>
+            <a:fillRect/>
+          </a:stretch>
+        </p:blipFill>
+        <p:spPr>
+          <a:xfrm>
+            <a:off x="914314" y="744933"/>
+            <a:ext cx="3384376" cy="6077320"/>
           </a:xfrm>
           <a:prstGeom prst="rect">
             <a:avLst/>
@@ -9705,10 +10387,10 @@
       </p:sp>
       <p:pic>
         <p:nvPicPr>
-          <p:cNvPr id="4" name="图片 3">
+          <p:cNvPr id="6" name="图片 7">
             <a:extLst>
               <a:ext uri="{FF2B5EF4-FFF2-40B4-BE49-F238E27FC236}">
-                <a16:creationId xmlns:a16="http://schemas.microsoft.com/office/drawing/2014/main" id="{CCE41058-EEBC-A14E-8549-DA716128FADE}"/>
+                <a16:creationId xmlns:a16="http://schemas.microsoft.com/office/drawing/2014/main" id="{D7EBF4B3-2971-4EB6-92F6-00D0E5077EE4}"/>
               </a:ext>
             </a:extLst>
           </p:cNvPr>
@@ -9731,44 +10413,8 @@
         </p:blipFill>
         <p:spPr>
           <a:xfrm>
-            <a:off x="755576" y="764704"/>
-            <a:ext cx="3384376" cy="6077320"/>
-          </a:xfrm>
-          <a:prstGeom prst="rect">
-            <a:avLst/>
-          </a:prstGeom>
-        </p:spPr>
-      </p:pic>
-      <p:pic>
-        <p:nvPicPr>
-          <p:cNvPr id="5" name="图片 4">
-            <a:extLst>
-              <a:ext uri="{FF2B5EF4-FFF2-40B4-BE49-F238E27FC236}">
-                <a16:creationId xmlns:a16="http://schemas.microsoft.com/office/drawing/2014/main" id="{D2703F80-6FCE-7D4B-B909-0045DBBEEFDD}"/>
-              </a:ext>
-            </a:extLst>
-          </p:cNvPr>
-          <p:cNvPicPr>
-            <a:picLocks noChangeAspect="1"/>
-          </p:cNvPicPr>
-          <p:nvPr/>
-        </p:nvPicPr>
-        <p:blipFill>
-          <a:blip r:embed="rId4">
-            <a:extLst>
-              <a:ext uri="{28A0092B-C50C-407E-A947-70E740481C1C}">
-                <a14:useLocalDpi xmlns:a14="http://schemas.microsoft.com/office/drawing/2010/main" val="0"/>
-              </a:ext>
-            </a:extLst>
-          </a:blip>
-          <a:stretch>
-            <a:fillRect/>
-          </a:stretch>
-        </p:blipFill>
-        <p:spPr>
-          <a:xfrm>
-            <a:off x="4608137" y="478796"/>
-            <a:ext cx="3610478" cy="6380421"/>
+            <a:off x="1259632" y="1052736"/>
+            <a:ext cx="6161305" cy="5606083"/>
           </a:xfrm>
           <a:prstGeom prst="rect">
             <a:avLst/>
@@ -9823,7 +10469,7 @@
         </p:nvSpPr>
         <p:spPr>
           <a:xfrm>
-            <a:off x="539552" y="2780928"/>
+            <a:off x="457200" y="332656"/>
             <a:ext cx="8229600" cy="4525963"/>
           </a:xfrm>
         </p:spPr>
@@ -9833,21 +10479,108 @@
           </a:bodyPr>
           <a:lstStyle/>
           <a:p>
-            <a:pPr marL="0" indent="0" algn="ctr">
+            <a:r>
+              <a:rPr lang="en-US" altLang="zh-CN" sz="2800" dirty="0"/>
+              <a:t>  How interactive</a:t>
+            </a:r>
+          </a:p>
+          <a:p>
+            <a:pPr marL="0" indent="0">
               <a:buNone/>
             </a:pPr>
             <a:r>
-              <a:rPr lang="en-US" altLang="zh-CN" sz="6000" dirty="0"/>
-              <a:t>Q&amp;A</a:t>
-            </a:r>
-            <a:endParaRPr lang="en-US" sz="6000" dirty="0"/>
+              <a:rPr lang="en-US" altLang="zh-CN" sz="2800" dirty="0"/>
+              <a:t>    reading model</a:t>
+            </a:r>
+          </a:p>
+          <a:p>
+            <a:pPr marL="0" indent="0">
+              <a:buNone/>
+            </a:pPr>
+            <a:r>
+              <a:rPr lang="en-US" altLang="zh-CN" sz="2800" dirty="0"/>
+              <a:t>    works:</a:t>
+            </a:r>
+            <a:endParaRPr lang="en-US" sz="2800" dirty="0"/>
           </a:p>
         </p:txBody>
       </p:sp>
+      <p:pic>
+        <p:nvPicPr>
+          <p:cNvPr id="4" name="Picture 3">
+            <a:extLst>
+              <a:ext uri="{FF2B5EF4-FFF2-40B4-BE49-F238E27FC236}">
+                <a16:creationId xmlns:a16="http://schemas.microsoft.com/office/drawing/2014/main" id="{9AE4FBB9-2E3D-440F-8EC7-393749B9F47C}"/>
+              </a:ext>
+            </a:extLst>
+          </p:cNvPr>
+          <p:cNvPicPr>
+            <a:picLocks noChangeAspect="1"/>
+          </p:cNvPicPr>
+          <p:nvPr/>
+        </p:nvPicPr>
+        <p:blipFill>
+          <a:blip r:embed="rId3">
+            <a:extLst>
+              <a:ext uri="{28A0092B-C50C-407E-A947-70E740481C1C}">
+                <a14:useLocalDpi xmlns:a14="http://schemas.microsoft.com/office/drawing/2010/main" val="0"/>
+              </a:ext>
+            </a:extLst>
+          </a:blip>
+          <a:stretch>
+            <a:fillRect/>
+          </a:stretch>
+        </p:blipFill>
+        <p:spPr>
+          <a:xfrm>
+            <a:off x="971600" y="2780928"/>
+            <a:ext cx="5419725" cy="3943350"/>
+          </a:xfrm>
+          <a:prstGeom prst="rect">
+            <a:avLst/>
+          </a:prstGeom>
+        </p:spPr>
+      </p:pic>
+      <p:pic>
+        <p:nvPicPr>
+          <p:cNvPr id="6" name="Picture 5">
+            <a:extLst>
+              <a:ext uri="{FF2B5EF4-FFF2-40B4-BE49-F238E27FC236}">
+                <a16:creationId xmlns:a16="http://schemas.microsoft.com/office/drawing/2014/main" id="{DFA88AAA-9D0D-47E2-B100-9736F1CA9D76}"/>
+              </a:ext>
+            </a:extLst>
+          </p:cNvPr>
+          <p:cNvPicPr>
+            <a:picLocks noChangeAspect="1"/>
+          </p:cNvPicPr>
+          <p:nvPr/>
+        </p:nvPicPr>
+        <p:blipFill>
+          <a:blip r:embed="rId4">
+            <a:extLst>
+              <a:ext uri="{28A0092B-C50C-407E-A947-70E740481C1C}">
+                <a14:useLocalDpi xmlns:a14="http://schemas.microsoft.com/office/drawing/2010/main" val="0"/>
+              </a:ext>
+            </a:extLst>
+          </a:blip>
+          <a:stretch>
+            <a:fillRect/>
+          </a:stretch>
+        </p:blipFill>
+        <p:spPr>
+          <a:xfrm>
+            <a:off x="3995936" y="309272"/>
+            <a:ext cx="3393157" cy="2468835"/>
+          </a:xfrm>
+          <a:prstGeom prst="rect">
+            <a:avLst/>
+          </a:prstGeom>
+        </p:spPr>
+      </p:pic>
     </p:spTree>
     <p:extLst>
       <p:ext uri="{BB962C8B-B14F-4D97-AF65-F5344CB8AC3E}">
-        <p14:creationId xmlns:p14="http://schemas.microsoft.com/office/powerpoint/2010/main" val="3090738494"/>
+        <p14:creationId xmlns:p14="http://schemas.microsoft.com/office/powerpoint/2010/main" val="3893655254"/>
       </p:ext>
     </p:extLst>
   </p:cSld>
@@ -9892,7 +10625,7 @@
         </p:nvSpPr>
         <p:spPr>
           <a:xfrm>
-            <a:off x="539552" y="2780928"/>
+            <a:off x="457200" y="332656"/>
             <a:ext cx="8229600" cy="4525963"/>
           </a:xfrm>
         </p:spPr>
@@ -9902,20 +10635,265 @@
           </a:bodyPr>
           <a:lstStyle/>
           <a:p>
-            <a:pPr marL="0" indent="0" algn="ctr">
-              <a:buNone/>
-            </a:pPr>
-            <a:r>
-              <a:rPr lang="en-US" sz="4000" dirty="0"/>
-              <a:t>THANK YOU FOR YOUR READING!</a:t>
-            </a:r>
+            <a:r>
+              <a:rPr lang="en-US" altLang="zh-CN" sz="2800" dirty="0"/>
+              <a:t>How it works:</a:t>
+            </a:r>
+            <a:endParaRPr lang="en-US" sz="2800" dirty="0"/>
           </a:p>
         </p:txBody>
       </p:sp>
+      <p:pic>
+        <p:nvPicPr>
+          <p:cNvPr id="6" name="Picture 5">
+            <a:extLst>
+              <a:ext uri="{FF2B5EF4-FFF2-40B4-BE49-F238E27FC236}">
+                <a16:creationId xmlns:a16="http://schemas.microsoft.com/office/drawing/2014/main" id="{1D6DA0E3-E8FA-4443-84B0-ADA106416138}"/>
+              </a:ext>
+            </a:extLst>
+          </p:cNvPr>
+          <p:cNvPicPr>
+            <a:picLocks noChangeAspect="1"/>
+          </p:cNvPicPr>
+          <p:nvPr/>
+        </p:nvPicPr>
+        <p:blipFill>
+          <a:blip r:embed="rId3">
+            <a:extLst>
+              <a:ext uri="{28A0092B-C50C-407E-A947-70E740481C1C}">
+                <a14:useLocalDpi xmlns:a14="http://schemas.microsoft.com/office/drawing/2010/main" val="0"/>
+              </a:ext>
+            </a:extLst>
+          </a:blip>
+          <a:stretch>
+            <a:fillRect/>
+          </a:stretch>
+        </p:blipFill>
+        <p:spPr>
+          <a:xfrm>
+            <a:off x="2051720" y="908720"/>
+            <a:ext cx="5562600" cy="5715000"/>
+          </a:xfrm>
+          <a:prstGeom prst="rect">
+            <a:avLst/>
+          </a:prstGeom>
+        </p:spPr>
+      </p:pic>
     </p:spTree>
     <p:extLst>
       <p:ext uri="{BB962C8B-B14F-4D97-AF65-F5344CB8AC3E}">
-        <p14:creationId xmlns:p14="http://schemas.microsoft.com/office/powerpoint/2010/main" val="295299655"/>
+        <p14:creationId xmlns:p14="http://schemas.microsoft.com/office/powerpoint/2010/main" val="599636041"/>
+      </p:ext>
+    </p:extLst>
+  </p:cSld>
+  <p:clrMapOvr>
+    <a:masterClrMapping/>
+  </p:clrMapOvr>
+</p:sld>
+</file>
+
+<file path=ppt/slides/slide9.xml><?xml version="1.0" encoding="utf-8"?>
+<p:sld xmlns:a="http://schemas.openxmlformats.org/drawingml/2006/main" xmlns:r="http://schemas.openxmlformats.org/officeDocument/2006/relationships" xmlns:p="http://schemas.openxmlformats.org/presentationml/2006/main">
+  <p:cSld>
+    <p:spTree>
+      <p:nvGrpSpPr>
+        <p:cNvPr id="1" name=""/>
+        <p:cNvGrpSpPr/>
+        <p:nvPr/>
+      </p:nvGrpSpPr>
+      <p:grpSpPr>
+        <a:xfrm>
+          <a:off x="0" y="0"/>
+          <a:ext cx="0" cy="0"/>
+          <a:chOff x="0" y="0"/>
+          <a:chExt cx="0" cy="0"/>
+        </a:xfrm>
+      </p:grpSpPr>
+      <p:sp>
+        <p:nvSpPr>
+          <p:cNvPr id="3" name="Content Placeholder 2">
+            <a:extLst>
+              <a:ext uri="{FF2B5EF4-FFF2-40B4-BE49-F238E27FC236}">
+                <a16:creationId xmlns:a16="http://schemas.microsoft.com/office/drawing/2014/main" id="{C4DF8993-CC97-4C4E-84FF-CCA2752F09F7}"/>
+              </a:ext>
+            </a:extLst>
+          </p:cNvPr>
+          <p:cNvSpPr>
+            <a:spLocks noGrp="1"/>
+          </p:cNvSpPr>
+          <p:nvPr>
+            <p:ph idx="1"/>
+          </p:nvPr>
+        </p:nvSpPr>
+        <p:spPr>
+          <a:xfrm>
+            <a:off x="457200" y="332656"/>
+            <a:ext cx="8229600" cy="4525963"/>
+          </a:xfrm>
+        </p:spPr>
+        <p:txBody>
+          <a:bodyPr>
+            <a:normAutofit/>
+          </a:bodyPr>
+          <a:lstStyle/>
+          <a:p>
+            <a:r>
+              <a:rPr lang="en-US" altLang="zh-CN" sz="2800" dirty="0"/>
+              <a:t>  How interactive</a:t>
+            </a:r>
+          </a:p>
+          <a:p>
+            <a:pPr marL="0" indent="0">
+              <a:buNone/>
+            </a:pPr>
+            <a:r>
+              <a:rPr lang="en-US" altLang="zh-CN" sz="2800" dirty="0"/>
+              <a:t>    reading model</a:t>
+            </a:r>
+          </a:p>
+          <a:p>
+            <a:pPr marL="0" indent="0">
+              <a:buNone/>
+            </a:pPr>
+            <a:r>
+              <a:rPr lang="en-US" altLang="zh-CN" sz="2800" dirty="0"/>
+              <a:t>    works:</a:t>
+            </a:r>
+            <a:endParaRPr lang="en-US" sz="2800" dirty="0"/>
+          </a:p>
+        </p:txBody>
+      </p:sp>
+      <p:pic>
+        <p:nvPicPr>
+          <p:cNvPr id="5" name="Picture 4">
+            <a:extLst>
+              <a:ext uri="{FF2B5EF4-FFF2-40B4-BE49-F238E27FC236}">
+                <a16:creationId xmlns:a16="http://schemas.microsoft.com/office/drawing/2014/main" id="{715075C3-4D7D-4E54-AE80-995472F678FB}"/>
+              </a:ext>
+            </a:extLst>
+          </p:cNvPr>
+          <p:cNvPicPr>
+            <a:picLocks noChangeAspect="1"/>
+          </p:cNvPicPr>
+          <p:nvPr/>
+        </p:nvPicPr>
+        <p:blipFill>
+          <a:blip r:embed="rId3">
+            <a:extLst>
+              <a:ext uri="{28A0092B-C50C-407E-A947-70E740481C1C}">
+                <a14:useLocalDpi xmlns:a14="http://schemas.microsoft.com/office/drawing/2010/main" val="0"/>
+              </a:ext>
+            </a:extLst>
+          </a:blip>
+          <a:stretch>
+            <a:fillRect/>
+          </a:stretch>
+        </p:blipFill>
+        <p:spPr>
+          <a:xfrm>
+            <a:off x="1043608" y="2595637"/>
+            <a:ext cx="6487430" cy="3762900"/>
+          </a:xfrm>
+          <a:prstGeom prst="rect">
+            <a:avLst/>
+          </a:prstGeom>
+        </p:spPr>
+      </p:pic>
+      <p:pic>
+        <p:nvPicPr>
+          <p:cNvPr id="8" name="Picture 7">
+            <a:extLst>
+              <a:ext uri="{FF2B5EF4-FFF2-40B4-BE49-F238E27FC236}">
+                <a16:creationId xmlns:a16="http://schemas.microsoft.com/office/drawing/2014/main" id="{EFF40A9F-1436-4DF9-A37F-59623C745E03}"/>
+              </a:ext>
+            </a:extLst>
+          </p:cNvPr>
+          <p:cNvPicPr>
+            <a:picLocks noChangeAspect="1"/>
+          </p:cNvPicPr>
+          <p:nvPr/>
+        </p:nvPicPr>
+        <p:blipFill>
+          <a:blip r:embed="rId4">
+            <a:extLst>
+              <a:ext uri="{28A0092B-C50C-407E-A947-70E740481C1C}">
+                <a14:useLocalDpi xmlns:a14="http://schemas.microsoft.com/office/drawing/2010/main" val="0"/>
+              </a:ext>
+            </a:extLst>
+          </a:blip>
+          <a:stretch>
+            <a:fillRect/>
+          </a:stretch>
+        </p:blipFill>
+        <p:spPr>
+          <a:xfrm>
+            <a:off x="4851914" y="349118"/>
+            <a:ext cx="3248478" cy="2553056"/>
+          </a:xfrm>
+          <a:prstGeom prst="rect">
+            <a:avLst/>
+          </a:prstGeom>
+        </p:spPr>
+      </p:pic>
+      <p:sp>
+        <p:nvSpPr>
+          <p:cNvPr id="20" name="Arrow: Bent 19">
+            <a:extLst>
+              <a:ext uri="{FF2B5EF4-FFF2-40B4-BE49-F238E27FC236}">
+                <a16:creationId xmlns:a16="http://schemas.microsoft.com/office/drawing/2014/main" id="{743D96D6-30EE-42FF-A231-E7FD96F9105F}"/>
+              </a:ext>
+            </a:extLst>
+          </p:cNvPr>
+          <p:cNvSpPr/>
+          <p:nvPr/>
+        </p:nvSpPr>
+        <p:spPr>
+          <a:xfrm rot="10800000">
+            <a:off x="6156176" y="2902174"/>
+            <a:ext cx="756068" cy="866227"/>
+          </a:xfrm>
+          <a:prstGeom prst="bentArrow">
+            <a:avLst>
+              <a:gd name="adj1" fmla="val 16562"/>
+              <a:gd name="adj2" fmla="val 25000"/>
+              <a:gd name="adj3" fmla="val 25000"/>
+              <a:gd name="adj4" fmla="val 39531"/>
+            </a:avLst>
+          </a:prstGeom>
+        </p:spPr>
+        <p:style>
+          <a:lnRef idx="2">
+            <a:schemeClr val="accent1">
+              <a:shade val="50000"/>
+            </a:schemeClr>
+          </a:lnRef>
+          <a:fillRef idx="1">
+            <a:schemeClr val="accent1"/>
+          </a:fillRef>
+          <a:effectRef idx="0">
+            <a:schemeClr val="accent1"/>
+          </a:effectRef>
+          <a:fontRef idx="minor">
+            <a:schemeClr val="lt1"/>
+          </a:fontRef>
+        </p:style>
+        <p:txBody>
+          <a:bodyPr rtlCol="0" anchor="ctr"/>
+          <a:lstStyle/>
+          <a:p>
+            <a:pPr algn="ctr"/>
+            <a:endParaRPr lang="en-US">
+              <a:solidFill>
+                <a:schemeClr val="tx1"/>
+              </a:solidFill>
+            </a:endParaRPr>
+          </a:p>
+        </p:txBody>
+      </p:sp>
+    </p:spTree>
+    <p:extLst>
+      <p:ext uri="{BB962C8B-B14F-4D97-AF65-F5344CB8AC3E}">
+        <p14:creationId xmlns:p14="http://schemas.microsoft.com/office/powerpoint/2010/main" val="3486648445"/>
       </p:ext>
     </p:extLst>
   </p:cSld>
